--- a/fs_diagnostic/05_fs_diag.pptx
+++ b/fs_diagnostic/05_fs_diag.pptx
@@ -134,6 +134,10 @@
 </p:presentation>
 </file>
 
+<file path=ppt/revisionInfo.xml><?xml version="1.0" encoding="utf-8"?>
+<p1510:revInfo xmlns:a="http://schemas.openxmlformats.org/drawingml/2006/main" xmlns:r="http://schemas.openxmlformats.org/officeDocument/2006/relationships" xmlns:p1510="http://schemas.microsoft.com/office/powerpoint/2015/10/main"/>
+</file>
+
 <file path=ppt/notesMasters/notesMaster1.xml><?xml version="1.0" encoding="utf-8"?>
 <p:notesMaster xmlns:a="http://schemas.openxmlformats.org/drawingml/2006/main" xmlns:r="http://schemas.openxmlformats.org/officeDocument/2006/relationships" xmlns:p="http://schemas.openxmlformats.org/presentationml/2006/main">
   <p:cSld>
@@ -216,7 +220,7 @@
           <a:p>
             <a:fld id="{C5D37280-896D-453C-A8B2-790CBDCE44E5}" type="datetimeFigureOut">
               <a:rPr lang="en-US" smtClean="0"/>
-              <a:t>1/19/2018</a:t>
+              <a:t>1/21/2018</a:t>
             </a:fld>
             <a:endParaRPr lang="en-US"/>
           </a:p>
@@ -1436,7 +1440,7 @@
                 <a:latin typeface="Times New Roman" panose="02020603050405020304" pitchFamily="18" charset="0"/>
                 <a:cs typeface="Times New Roman" panose="02020603050405020304" pitchFamily="18" charset="0"/>
               </a:rPr>
-              <a:t>D. Bruhwiler   –   USPAS   –   January 2018   –   Graphical User Interfaces </a:t>
+              <a:t>D. Bruhwiler   –   USPAS   –   January 2018   –   Use case:  sub-fs diagnostic</a:t>
             </a:r>
           </a:p>
         </p:txBody>
@@ -1528,7 +1532,7 @@
               <a:pPr>
                 <a:defRPr/>
               </a:pPr>
-              <a:t>1/19/2018</a:t>
+              <a:t>1/21/2018</a:t>
             </a:fld>
             <a:endParaRPr lang="en-US"/>
           </a:p>
@@ -1713,7 +1717,7 @@
           <a:p>
             <a:fld id="{DFF43710-F8AB-6840-B03A-23D4C2B2884A}" type="datetimeFigureOut">
               <a:rPr lang="en-US" smtClean="0"/>
-              <a:t>1/19/2018</a:t>
+              <a:t>1/21/2018</a:t>
             </a:fld>
             <a:endParaRPr lang="en-US"/>
           </a:p>
@@ -1958,7 +1962,7 @@
               <a:pPr defTabSz="914400">
                 <a:defRPr/>
               </a:pPr>
-              <a:t>1/19/2018</a:t>
+              <a:t>1/21/2018</a:t>
             </a:fld>
             <a:endParaRPr lang="en-US"/>
           </a:p>
@@ -3291,7 +3295,7 @@
           <a:noFill/>
           <a:extLst>
             <a:ext uri="{909E8E84-426E-40dd-AFC4-6F175D3DCCD1}">
-              <a14:hiddenFill xmlns="" xmlns:a14="http://schemas.microsoft.com/office/drawing/2010/main">
+              <a14:hiddenFill xmlns:a14="http://schemas.microsoft.com/office/drawing/2010/main" xmlns="">
                 <a:solidFill>
                   <a:srgbClr val="FFFFFF"/>
                 </a:solidFill>
